--- a/Module 2.pptx
+++ b/Module 2.pptx
@@ -6,7 +6,7 @@
     <p:sldMasterId id="2147483663" r:id="rId2"/>
   </p:sldMasterIdLst>
   <p:notesMasterIdLst>
-    <p:notesMasterId r:id="rId20"/>
+    <p:notesMasterId r:id="rId13"/>
   </p:notesMasterIdLst>
   <p:sldIdLst>
     <p:sldId id="256" r:id="rId3"/>
@@ -16,16 +16,9 @@
     <p:sldId id="278" r:id="rId7"/>
     <p:sldId id="263" r:id="rId8"/>
     <p:sldId id="264" r:id="rId9"/>
-    <p:sldId id="268" r:id="rId10"/>
-    <p:sldId id="277" r:id="rId11"/>
-    <p:sldId id="269" r:id="rId12"/>
-    <p:sldId id="276" r:id="rId13"/>
-    <p:sldId id="270" r:id="rId14"/>
-    <p:sldId id="271" r:id="rId15"/>
-    <p:sldId id="272" r:id="rId16"/>
-    <p:sldId id="273" r:id="rId17"/>
-    <p:sldId id="274" r:id="rId18"/>
-    <p:sldId id="275" r:id="rId19"/>
+    <p:sldId id="269" r:id="rId10"/>
+    <p:sldId id="276" r:id="rId11"/>
+    <p:sldId id="279" r:id="rId12"/>
   </p:sldIdLst>
   <p:sldSz cx="12192000" cy="6858000"/>
   <p:notesSz cx="6858000" cy="9144000"/>
@@ -124,6 +117,11 @@
       </a:defRPr>
     </a:lvl9pPr>
   </p:defaultTextStyle>
+  <p:extLst>
+    <p:ext uri="{EFAFB233-063F-42B5-8137-9DF3F51BA10A}">
+      <p15:sldGuideLst xmlns:p15="http://schemas.microsoft.com/office/powerpoint/2012/main"/>
+    </p:ext>
+  </p:extLst>
 </p:presentation>
 </file>
 
@@ -209,7 +207,7 @@
           <a:p>
             <a:fld id="{9EF0234A-C51A-4C9D-B32B-499F2F0501A5}" type="datetimeFigureOut">
               <a:rPr lang="en-US" smtClean="0"/>
-              <a:t>10/19/2021</a:t>
+              <a:t>10/25/2021</a:t>
             </a:fld>
             <a:endParaRPr lang="en-US"/>
           </a:p>
@@ -2159,7 +2157,7 @@
               <a:pPr>
                 <a:defRPr/>
               </a:pPr>
-              <a:t>19/10/2021</a:t>
+              <a:t>25/10/2021</a:t>
             </a:fld>
             <a:endParaRPr lang="en-GB">
               <a:solidFill>
@@ -3619,7 +3617,7 @@
               <a:pPr>
                 <a:defRPr/>
               </a:pPr>
-              <a:t>19/10/2021</a:t>
+              <a:t>25/10/2021</a:t>
             </a:fld>
             <a:endParaRPr lang="en-GB">
               <a:solidFill>
@@ -3886,7 +3884,7 @@
           <a:p>
             <a:fld id="{789F473A-C2E2-431E-BD59-4B7611926655}" type="datetimeFigureOut">
               <a:rPr lang="en-US" smtClean="0"/>
-              <a:t>10/19/2021</a:t>
+              <a:t>10/25/2021</a:t>
             </a:fld>
             <a:endParaRPr lang="en-US"/>
           </a:p>
@@ -4607,7 +4605,7 @@
               <a:pPr>
                 <a:defRPr/>
               </a:pPr>
-              <a:t>19/10/2021</a:t>
+              <a:t>25/10/2021</a:t>
             </a:fld>
             <a:endParaRPr lang="en-GB">
               <a:solidFill>
@@ -5553,7 +5551,7 @@
           <a:p>
             <a:r>
               <a:rPr lang="en-GB" dirty="0" smtClean="0"/>
-              <a:t>Types of Operations and operands</a:t>
+              <a:t>Conclusion</a:t>
             </a:r>
             <a:endParaRPr lang="en-GB" dirty="0"/>
           </a:p>
@@ -5571,71 +5569,13 @@
         </p:nvSpPr>
         <p:spPr/>
         <p:txBody>
-          <a:bodyPr>
-            <a:normAutofit fontScale="70000" lnSpcReduction="20000"/>
-          </a:bodyPr>
+          <a:bodyPr/>
           <a:lstStyle/>
           <a:p>
-            <a:pPr marL="0" indent="0" algn="just">
-              <a:buNone/>
-            </a:pPr>
-            <a:r>
-              <a:rPr lang="en-GB" dirty="0"/>
-              <a:t>In an internal instruction there is always specified an operation to be performed</a:t>
-            </a:r>
             <a:r>
               <a:rPr lang="en-GB" dirty="0" smtClean="0"/>
-              <a:t>. Therefore types of instructions are similar to types of operations.</a:t>
-            </a:r>
-          </a:p>
-          <a:p>
-            <a:pPr marL="0" indent="0" algn="just">
-              <a:buNone/>
-            </a:pPr>
-            <a:r>
-              <a:rPr lang="en-GB" dirty="0" smtClean="0"/>
-              <a:t> </a:t>
-            </a:r>
-            <a:r>
-              <a:rPr lang="en-GB" dirty="0"/>
-              <a:t>Depending on an instruction the following additional parameters can be also specified: </a:t>
-            </a:r>
-            <a:r>
-              <a:rPr lang="en-GB" b="1" dirty="0"/>
-              <a:t>operand addresses</a:t>
-            </a:r>
-            <a:r>
-              <a:rPr lang="en-GB" dirty="0"/>
-              <a:t>, </a:t>
-            </a:r>
-            <a:r>
-              <a:rPr lang="en-GB" b="1" dirty="0"/>
-              <a:t>address mode</a:t>
-            </a:r>
-            <a:r>
-              <a:rPr lang="en-GB" dirty="0"/>
-              <a:t>, i.e. how to compute the final operand address based on the address contained in the instruction (an address modification using data stored in the computer is possible), </a:t>
-            </a:r>
-            <a:r>
-              <a:rPr lang="en-GB" b="1" dirty="0"/>
-              <a:t>immediate data</a:t>
-            </a:r>
-            <a:r>
-              <a:rPr lang="en-GB" dirty="0"/>
-              <a:t>.</a:t>
-            </a:r>
-          </a:p>
-          <a:p>
-            <a:pPr marL="0" indent="0" algn="just">
-              <a:buNone/>
-            </a:pPr>
-            <a:r>
-              <a:rPr lang="en-GB" dirty="0"/>
-              <a:t>Internal instructions are composed as bit sequences placed in the instruction word fields. Such form is very inconvenient for a programmer. </a:t>
-            </a:r>
-            <a:endParaRPr lang="en-GB" dirty="0" smtClean="0"/>
-          </a:p>
-          <a:p>
+              <a:t>Thank you.</a:t>
+            </a:r>
             <a:endParaRPr lang="en-GB" dirty="0"/>
           </a:p>
         </p:txBody>
@@ -5643,1223 +5583,20 @@
     </p:spTree>
     <p:extLst>
       <p:ext uri="{BB962C8B-B14F-4D97-AF65-F5344CB8AC3E}">
-        <p14:creationId xmlns:p14="http://schemas.microsoft.com/office/powerpoint/2010/main" val="1903704109"/>
+        <p14:creationId xmlns:p14="http://schemas.microsoft.com/office/powerpoint/2010/main" val="220924500"/>
       </p:ext>
     </p:extLst>
   </p:cSld>
   <p:clrMapOvr>
     <a:masterClrMapping/>
   </p:clrMapOvr>
-</p:sld>
-</file>
-
-<file path=ppt/slides/slide11.xml><?xml version="1.0" encoding="utf-8"?>
-<p:sld xmlns:a="http://schemas.openxmlformats.org/drawingml/2006/main" xmlns:r="http://schemas.openxmlformats.org/officeDocument/2006/relationships" xmlns:p="http://schemas.openxmlformats.org/presentationml/2006/main">
-  <p:cSld>
-    <p:spTree>
-      <p:nvGrpSpPr>
-        <p:cNvPr id="1" name=""/>
-        <p:cNvGrpSpPr/>
-        <p:nvPr/>
-      </p:nvGrpSpPr>
-      <p:grpSpPr>
-        <a:xfrm>
-          <a:off x="0" y="0"/>
-          <a:ext cx="0" cy="0"/>
-          <a:chOff x="0" y="0"/>
-          <a:chExt cx="0" cy="0"/>
-        </a:xfrm>
-      </p:grpSpPr>
-      <p:sp>
-        <p:nvSpPr>
-          <p:cNvPr id="2" name="Title 1"/>
-          <p:cNvSpPr>
-            <a:spLocks noGrp="1"/>
-          </p:cNvSpPr>
-          <p:nvPr>
-            <p:ph type="title"/>
-          </p:nvPr>
-        </p:nvSpPr>
-        <p:spPr/>
-        <p:txBody>
-          <a:bodyPr/>
-          <a:lstStyle/>
-          <a:p>
-            <a:r>
-              <a:rPr lang="en-US" dirty="0"/>
-              <a:t>Types of Operations and operands</a:t>
-            </a:r>
-          </a:p>
-        </p:txBody>
-      </p:sp>
-      <p:sp>
-        <p:nvSpPr>
-          <p:cNvPr id="3" name="Content Placeholder 2"/>
-          <p:cNvSpPr>
-            <a:spLocks noGrp="1"/>
-          </p:cNvSpPr>
-          <p:nvPr>
-            <p:ph idx="1"/>
-          </p:nvPr>
-        </p:nvSpPr>
-        <p:spPr/>
-        <p:txBody>
-          <a:bodyPr>
-            <a:normAutofit fontScale="70000" lnSpcReduction="20000"/>
-          </a:bodyPr>
-          <a:lstStyle/>
-          <a:p>
-            <a:pPr algn="just"/>
-            <a:r>
-              <a:rPr lang="en-US" dirty="0"/>
-              <a:t>To make writing low-level programs easier, symbolic programming languages or assembler languages have been introduced. </a:t>
-            </a:r>
-            <a:endParaRPr lang="en-US" dirty="0" smtClean="0"/>
-          </a:p>
-          <a:p>
-            <a:pPr algn="just"/>
-            <a:r>
-              <a:rPr lang="en-US" dirty="0" smtClean="0"/>
-              <a:t>In </a:t>
-            </a:r>
-            <a:r>
-              <a:rPr lang="en-US" dirty="0"/>
-              <a:t>such languages, a program is expressed by instructions, which correspond to internal computer instructions but written down in an symbolic way as an association of the following elements: the symbol of the operation performed by the instruction (the mnemonic), the symbol of the address mode, values and symbols of addresses used by instructions (labels) and symbols and values of data (constants and variables). </a:t>
-            </a:r>
-          </a:p>
-          <a:p>
-            <a:pPr algn="just"/>
-            <a:r>
-              <a:rPr lang="en-US" dirty="0"/>
-              <a:t>Values of addresses and data can be expressed in different representations: decimal, hexadecimal, octal or binary but always together with the identifier of the representation used. </a:t>
-            </a:r>
-          </a:p>
-          <a:p>
-            <a:endParaRPr lang="en-US" dirty="0"/>
-          </a:p>
-        </p:txBody>
-      </p:sp>
-    </p:spTree>
-    <p:extLst>
-      <p:ext uri="{BB962C8B-B14F-4D97-AF65-F5344CB8AC3E}">
-        <p14:creationId xmlns:p14="http://schemas.microsoft.com/office/powerpoint/2010/main" val="3092645978"/>
-      </p:ext>
-    </p:extLst>
-  </p:cSld>
-  <p:clrMapOvr>
-    <a:masterClrMapping/>
-  </p:clrMapOvr>
-</p:sld>
-</file>
-
-<file path=ppt/slides/slide12.xml><?xml version="1.0" encoding="utf-8"?>
-<p:sld xmlns:a="http://schemas.openxmlformats.org/drawingml/2006/main" xmlns:r="http://schemas.openxmlformats.org/officeDocument/2006/relationships" xmlns:p="http://schemas.openxmlformats.org/presentationml/2006/main">
-  <p:cSld>
-    <p:spTree>
-      <p:nvGrpSpPr>
-        <p:cNvPr id="1" name=""/>
-        <p:cNvGrpSpPr/>
-        <p:nvPr/>
-      </p:nvGrpSpPr>
-      <p:grpSpPr>
-        <a:xfrm>
-          <a:off x="0" y="0"/>
-          <a:ext cx="0" cy="0"/>
-          <a:chOff x="0" y="0"/>
-          <a:chExt cx="0" cy="0"/>
-        </a:xfrm>
-      </p:grpSpPr>
-      <p:sp>
-        <p:nvSpPr>
-          <p:cNvPr id="2" name="Title 1"/>
-          <p:cNvSpPr>
-            <a:spLocks noGrp="1"/>
-          </p:cNvSpPr>
-          <p:nvPr>
-            <p:ph type="title"/>
-          </p:nvPr>
-        </p:nvSpPr>
-        <p:spPr/>
-        <p:txBody>
-          <a:bodyPr>
-            <a:normAutofit fontScale="90000"/>
-          </a:bodyPr>
-          <a:lstStyle/>
-          <a:p>
-            <a:r>
-              <a:rPr lang="en-GB" dirty="0" smtClean="0"/>
-              <a:t>Arithmetical </a:t>
-            </a:r>
-            <a:r>
-              <a:rPr lang="en-GB" dirty="0"/>
-              <a:t>instructions</a:t>
-            </a:r>
-            <a:br>
-              <a:rPr lang="en-GB" dirty="0"/>
-            </a:br>
-            <a:endParaRPr lang="en-GB" dirty="0"/>
-          </a:p>
-        </p:txBody>
-      </p:sp>
-      <p:sp>
-        <p:nvSpPr>
-          <p:cNvPr id="3" name="Content Placeholder 2"/>
-          <p:cNvSpPr>
-            <a:spLocks noGrp="1"/>
-          </p:cNvSpPr>
-          <p:nvPr>
-            <p:ph idx="1"/>
-          </p:nvPr>
-        </p:nvSpPr>
-        <p:spPr/>
-        <p:txBody>
-          <a:bodyPr>
-            <a:normAutofit fontScale="55000" lnSpcReduction="20000"/>
-          </a:bodyPr>
-          <a:lstStyle/>
-          <a:p>
-            <a:pPr marL="0" indent="0">
-              <a:buNone/>
-            </a:pPr>
-            <a:r>
-              <a:rPr lang="en-GB" dirty="0" smtClean="0"/>
-              <a:t>Arithmetical-logical </a:t>
-            </a:r>
-            <a:r>
-              <a:rPr lang="en-GB" dirty="0"/>
-              <a:t>instructions include three groups of instructions: arithmetical, logical and shift instructions. Some examples coming mostly from Pentium processor instruction list are given below.</a:t>
-            </a:r>
-          </a:p>
-          <a:p>
-            <a:pPr marL="0" indent="0">
-              <a:buNone/>
-            </a:pPr>
-            <a:r>
-              <a:rPr lang="en-GB" dirty="0" smtClean="0"/>
-              <a:t>Arithmetical instructions</a:t>
-            </a:r>
-            <a:endParaRPr lang="en-GB" dirty="0"/>
-          </a:p>
-          <a:p>
-            <a:pPr marL="0" indent="0">
-              <a:buNone/>
-            </a:pPr>
-            <a:r>
-              <a:rPr lang="en-GB" dirty="0"/>
-              <a:t>ADD Arithmetical sum of arguments - addition</a:t>
-            </a:r>
-            <a:r>
-              <a:rPr lang="en-GB" dirty="0" smtClean="0"/>
-              <a:t>.</a:t>
-            </a:r>
-            <a:endParaRPr lang="en-GB" dirty="0"/>
-          </a:p>
-          <a:p>
-            <a:pPr marL="0" indent="0">
-              <a:buNone/>
-            </a:pPr>
-            <a:r>
-              <a:rPr lang="en-GB" dirty="0"/>
-              <a:t>SUB Arithmetical difference of arguments - subtraction</a:t>
-            </a:r>
-            <a:r>
-              <a:rPr lang="en-GB" dirty="0" smtClean="0"/>
-              <a:t>.</a:t>
-            </a:r>
-            <a:endParaRPr lang="en-GB" dirty="0"/>
-          </a:p>
-          <a:p>
-            <a:pPr marL="0" indent="0">
-              <a:buNone/>
-            </a:pPr>
-            <a:r>
-              <a:rPr lang="en-GB" dirty="0"/>
-              <a:t>MUL Arithmetical product of arguments with single or double precision - multiplication</a:t>
-            </a:r>
-            <a:r>
-              <a:rPr lang="en-GB" dirty="0" smtClean="0"/>
-              <a:t>.</a:t>
-            </a:r>
-            <a:endParaRPr lang="en-GB" dirty="0"/>
-          </a:p>
-          <a:p>
-            <a:pPr marL="0" indent="0">
-              <a:buNone/>
-            </a:pPr>
-            <a:r>
-              <a:rPr lang="en-GB" dirty="0"/>
-              <a:t>DIV Division</a:t>
-            </a:r>
-            <a:r>
-              <a:rPr lang="en-GB" dirty="0" smtClean="0"/>
-              <a:t>.</a:t>
-            </a:r>
-            <a:endParaRPr lang="en-GB" dirty="0"/>
-          </a:p>
-          <a:p>
-            <a:pPr marL="0" indent="0">
-              <a:buNone/>
-            </a:pPr>
-            <a:r>
-              <a:rPr lang="en-GB" dirty="0"/>
-              <a:t>ABS Computation of the absolute value of the argument</a:t>
-            </a:r>
-            <a:r>
-              <a:rPr lang="en-GB" dirty="0" smtClean="0"/>
-              <a:t>.</a:t>
-            </a:r>
-            <a:endParaRPr lang="en-GB" dirty="0"/>
-          </a:p>
-          <a:p>
-            <a:pPr marL="0" indent="0">
-              <a:buNone/>
-            </a:pPr>
-            <a:r>
-              <a:rPr lang="en-GB" dirty="0"/>
-              <a:t>NEG Reversing the sign of the argument - negate sign</a:t>
-            </a:r>
-            <a:r>
-              <a:rPr lang="en-GB" dirty="0" smtClean="0"/>
-              <a:t>.</a:t>
-            </a:r>
-            <a:endParaRPr lang="en-GB" dirty="0"/>
-          </a:p>
-          <a:p>
-            <a:pPr marL="0" indent="0">
-              <a:buNone/>
-            </a:pPr>
-            <a:r>
-              <a:rPr lang="en-GB" dirty="0"/>
-              <a:t>INC Increment the argument by 1</a:t>
-            </a:r>
-            <a:r>
-              <a:rPr lang="en-GB" dirty="0" smtClean="0"/>
-              <a:t>.</a:t>
-            </a:r>
-            <a:endParaRPr lang="en-GB" dirty="0"/>
-          </a:p>
-          <a:p>
-            <a:pPr marL="0" indent="0">
-              <a:buNone/>
-            </a:pPr>
-            <a:r>
-              <a:rPr lang="en-GB" dirty="0"/>
-              <a:t>DEC Decrement the argument by 1.</a:t>
-            </a:r>
-          </a:p>
-        </p:txBody>
-      </p:sp>
-    </p:spTree>
-    <p:extLst>
-      <p:ext uri="{BB962C8B-B14F-4D97-AF65-F5344CB8AC3E}">
-        <p14:creationId xmlns:p14="http://schemas.microsoft.com/office/powerpoint/2010/main" val="687521429"/>
-      </p:ext>
-    </p:extLst>
-  </p:cSld>
-  <p:clrMapOvr>
-    <a:masterClrMapping/>
-  </p:clrMapOvr>
-</p:sld>
-</file>
-
-<file path=ppt/slides/slide13.xml><?xml version="1.0" encoding="utf-8"?>
-<p:sld xmlns:a="http://schemas.openxmlformats.org/drawingml/2006/main" xmlns:r="http://schemas.openxmlformats.org/officeDocument/2006/relationships" xmlns:p="http://schemas.openxmlformats.org/presentationml/2006/main">
-  <p:cSld>
-    <p:spTree>
-      <p:nvGrpSpPr>
-        <p:cNvPr id="1" name=""/>
-        <p:cNvGrpSpPr/>
-        <p:nvPr/>
-      </p:nvGrpSpPr>
-      <p:grpSpPr>
-        <a:xfrm>
-          <a:off x="0" y="0"/>
-          <a:ext cx="0" cy="0"/>
-          <a:chOff x="0" y="0"/>
-          <a:chExt cx="0" cy="0"/>
-        </a:xfrm>
-      </p:grpSpPr>
-      <p:sp>
-        <p:nvSpPr>
-          <p:cNvPr id="2" name="Title 1"/>
-          <p:cNvSpPr>
-            <a:spLocks noGrp="1"/>
-          </p:cNvSpPr>
-          <p:nvPr>
-            <p:ph type="title"/>
-          </p:nvPr>
-        </p:nvSpPr>
-        <p:spPr/>
-        <p:txBody>
-          <a:bodyPr/>
-          <a:lstStyle/>
-          <a:p>
-            <a:r>
-              <a:rPr lang="en-GB" dirty="0"/>
-              <a:t>Logical instructions</a:t>
-            </a:r>
-          </a:p>
-        </p:txBody>
-      </p:sp>
-      <p:sp>
-        <p:nvSpPr>
-          <p:cNvPr id="3" name="Content Placeholder 2"/>
-          <p:cNvSpPr>
-            <a:spLocks noGrp="1"/>
-          </p:cNvSpPr>
-          <p:nvPr>
-            <p:ph idx="1"/>
-          </p:nvPr>
-        </p:nvSpPr>
-        <p:spPr/>
-        <p:txBody>
-          <a:bodyPr>
-            <a:normAutofit fontScale="77500" lnSpcReduction="20000"/>
-          </a:bodyPr>
-          <a:lstStyle/>
-          <a:p>
-            <a:pPr marL="0" indent="0">
-              <a:buNone/>
-            </a:pPr>
-            <a:r>
-              <a:rPr lang="en-GB" dirty="0" smtClean="0"/>
-              <a:t>AND </a:t>
-            </a:r>
-            <a:r>
-              <a:rPr lang="en-GB" dirty="0"/>
-              <a:t>Logical AND on arguments</a:t>
-            </a:r>
-            <a:r>
-              <a:rPr lang="en-GB" dirty="0" smtClean="0"/>
-              <a:t>.</a:t>
-            </a:r>
-            <a:endParaRPr lang="en-GB" dirty="0"/>
-          </a:p>
-          <a:p>
-            <a:pPr marL="0" indent="0">
-              <a:buNone/>
-            </a:pPr>
-            <a:r>
-              <a:rPr lang="en-GB" dirty="0"/>
-              <a:t>OR Logical OR on arguments</a:t>
-            </a:r>
-            <a:r>
-              <a:rPr lang="en-GB" dirty="0" smtClean="0"/>
-              <a:t>.</a:t>
-            </a:r>
-            <a:endParaRPr lang="en-GB" dirty="0"/>
-          </a:p>
-          <a:p>
-            <a:pPr marL="0" indent="0">
-              <a:buNone/>
-            </a:pPr>
-            <a:r>
-              <a:rPr lang="en-GB" dirty="0"/>
-              <a:t>EXOR Exclusive OR on arguments</a:t>
-            </a:r>
-            <a:r>
-              <a:rPr lang="en-GB" dirty="0" smtClean="0"/>
-              <a:t>.</a:t>
-            </a:r>
-            <a:endParaRPr lang="en-GB" dirty="0"/>
-          </a:p>
-          <a:p>
-            <a:pPr marL="0" indent="0">
-              <a:buNone/>
-            </a:pPr>
-            <a:r>
-              <a:rPr lang="en-GB" dirty="0"/>
-              <a:t>NOT Complement of the argument - negation</a:t>
-            </a:r>
-            <a:r>
-              <a:rPr lang="en-GB" dirty="0" smtClean="0"/>
-              <a:t>.</a:t>
-            </a:r>
-            <a:endParaRPr lang="en-GB" dirty="0"/>
-          </a:p>
-          <a:p>
-            <a:pPr marL="0" indent="0">
-              <a:buNone/>
-            </a:pPr>
-            <a:r>
-              <a:rPr lang="en-GB" dirty="0"/>
-              <a:t>Shift </a:t>
-            </a:r>
-            <a:r>
-              <a:rPr lang="en-GB" dirty="0" smtClean="0"/>
-              <a:t>instructions</a:t>
-            </a:r>
-            <a:endParaRPr lang="en-GB" dirty="0"/>
-          </a:p>
-          <a:p>
-            <a:pPr marL="0" indent="0">
-              <a:buNone/>
-            </a:pPr>
-            <a:r>
-              <a:rPr lang="en-GB" dirty="0"/>
-              <a:t>SHL/SHR Logical shift of the argument - shift left / shift right</a:t>
-            </a:r>
-            <a:r>
-              <a:rPr lang="en-GB" dirty="0" smtClean="0"/>
-              <a:t>.</a:t>
-            </a:r>
-            <a:endParaRPr lang="en-GB" dirty="0"/>
-          </a:p>
-          <a:p>
-            <a:pPr marL="0" indent="0">
-              <a:buNone/>
-            </a:pPr>
-            <a:r>
-              <a:rPr lang="en-GB" dirty="0"/>
-              <a:t>SAL/SAR Arithmetical shift of the argument - shift arithmetical left / shift arithmetical right</a:t>
-            </a:r>
-            <a:r>
-              <a:rPr lang="en-GB" dirty="0" smtClean="0"/>
-              <a:t>.</a:t>
-            </a:r>
-            <a:endParaRPr lang="en-GB" dirty="0"/>
-          </a:p>
-          <a:p>
-            <a:pPr marL="0" indent="0">
-              <a:buNone/>
-            </a:pPr>
-            <a:r>
-              <a:rPr lang="en-GB" dirty="0"/>
-              <a:t>ROL/ROR Rotate left / rotate right the argument.</a:t>
-            </a:r>
-          </a:p>
-        </p:txBody>
-      </p:sp>
-    </p:spTree>
-    <p:extLst>
-      <p:ext uri="{BB962C8B-B14F-4D97-AF65-F5344CB8AC3E}">
-        <p14:creationId xmlns:p14="http://schemas.microsoft.com/office/powerpoint/2010/main" val="2444747576"/>
-      </p:ext>
-    </p:extLst>
-  </p:cSld>
-  <p:clrMapOvr>
-    <a:masterClrMapping/>
-  </p:clrMapOvr>
-</p:sld>
-</file>
-
-<file path=ppt/slides/slide14.xml><?xml version="1.0" encoding="utf-8"?>
-<p:sld xmlns:a="http://schemas.openxmlformats.org/drawingml/2006/main" xmlns:r="http://schemas.openxmlformats.org/officeDocument/2006/relationships" xmlns:p="http://schemas.openxmlformats.org/presentationml/2006/main">
-  <p:cSld>
-    <p:spTree>
-      <p:nvGrpSpPr>
-        <p:cNvPr id="1" name=""/>
-        <p:cNvGrpSpPr/>
-        <p:nvPr/>
-      </p:nvGrpSpPr>
-      <p:grpSpPr>
-        <a:xfrm>
-          <a:off x="0" y="0"/>
-          <a:ext cx="0" cy="0"/>
-          <a:chOff x="0" y="0"/>
-          <a:chExt cx="0" cy="0"/>
-        </a:xfrm>
-      </p:grpSpPr>
-      <p:sp>
-        <p:nvSpPr>
-          <p:cNvPr id="2" name="Title 1"/>
-          <p:cNvSpPr>
-            <a:spLocks noGrp="1"/>
-          </p:cNvSpPr>
-          <p:nvPr>
-            <p:ph type="title"/>
-          </p:nvPr>
-        </p:nvSpPr>
-        <p:spPr/>
-        <p:txBody>
-          <a:bodyPr>
-            <a:normAutofit fontScale="90000"/>
-          </a:bodyPr>
-          <a:lstStyle/>
-          <a:p>
-            <a:r>
-              <a:rPr lang="en-GB" dirty="0"/>
-              <a:t>Data transfer instructions</a:t>
-            </a:r>
-            <a:br>
-              <a:rPr lang="en-GB" dirty="0"/>
-            </a:br>
-            <a:endParaRPr lang="en-GB" dirty="0"/>
-          </a:p>
-        </p:txBody>
-      </p:sp>
-      <p:sp>
-        <p:nvSpPr>
-          <p:cNvPr id="3" name="Content Placeholder 2"/>
-          <p:cNvSpPr>
-            <a:spLocks noGrp="1"/>
-          </p:cNvSpPr>
-          <p:nvPr>
-            <p:ph idx="1"/>
-          </p:nvPr>
-        </p:nvSpPr>
-        <p:spPr/>
-        <p:txBody>
-          <a:bodyPr>
-            <a:normAutofit fontScale="70000" lnSpcReduction="20000"/>
-          </a:bodyPr>
-          <a:lstStyle/>
-          <a:p>
-            <a:endParaRPr lang="en-GB" dirty="0"/>
-          </a:p>
-          <a:p>
-            <a:r>
-              <a:rPr lang="en-GB" dirty="0"/>
-              <a:t>MOV Transfer between registers or a register and memory - move.</a:t>
-            </a:r>
-          </a:p>
-          <a:p>
-            <a:r>
-              <a:rPr lang="en-GB" dirty="0" smtClean="0"/>
-              <a:t>STR </a:t>
-            </a:r>
-            <a:r>
-              <a:rPr lang="en-GB" dirty="0"/>
-              <a:t>Transfer between memory and a register - store</a:t>
-            </a:r>
-            <a:r>
-              <a:rPr lang="en-GB" dirty="0" smtClean="0"/>
-              <a:t>.</a:t>
-            </a:r>
-            <a:endParaRPr lang="en-GB" dirty="0"/>
-          </a:p>
-          <a:p>
-            <a:r>
-              <a:rPr lang="en-GB" dirty="0"/>
-              <a:t>MOVSX Transfer of byte, word, double word with the sign extension from </a:t>
-            </a:r>
-            <a:r>
-              <a:rPr lang="en-GB" dirty="0" smtClean="0"/>
-              <a:t>register or </a:t>
-            </a:r>
-            <a:r>
-              <a:rPr lang="en-GB" dirty="0"/>
-              <a:t>memory to a register - move single/double.</a:t>
-            </a:r>
-          </a:p>
-          <a:p>
-            <a:r>
-              <a:rPr lang="en-GB" dirty="0" smtClean="0"/>
-              <a:t>LEA </a:t>
-            </a:r>
-            <a:r>
-              <a:rPr lang="en-GB" dirty="0"/>
-              <a:t>Load effective address from memory to a register</a:t>
-            </a:r>
-            <a:r>
-              <a:rPr lang="en-GB" dirty="0" smtClean="0"/>
-              <a:t>.</a:t>
-            </a:r>
-            <a:endParaRPr lang="en-GB" dirty="0"/>
-          </a:p>
-          <a:p>
-            <a:r>
-              <a:rPr lang="en-GB" dirty="0"/>
-              <a:t>PUSH Transfer data from a register to the top of the stack - push</a:t>
-            </a:r>
-            <a:r>
-              <a:rPr lang="en-GB" dirty="0" smtClean="0"/>
-              <a:t>.</a:t>
-            </a:r>
-            <a:endParaRPr lang="en-GB" dirty="0"/>
-          </a:p>
-          <a:p>
-            <a:r>
-              <a:rPr lang="en-GB" dirty="0"/>
-              <a:t>PUSHA Transfer data from all registers to the stack - push all</a:t>
-            </a:r>
-            <a:r>
-              <a:rPr lang="en-GB" dirty="0" smtClean="0"/>
-              <a:t>.</a:t>
-            </a:r>
-            <a:endParaRPr lang="en-GB" dirty="0"/>
-          </a:p>
-          <a:p>
-            <a:r>
-              <a:rPr lang="en-GB" dirty="0"/>
-              <a:t>IN, OUT Data transfer in/out from input/output devices.</a:t>
-            </a:r>
-          </a:p>
-        </p:txBody>
-      </p:sp>
-    </p:spTree>
-    <p:extLst>
-      <p:ext uri="{BB962C8B-B14F-4D97-AF65-F5344CB8AC3E}">
-        <p14:creationId xmlns:p14="http://schemas.microsoft.com/office/powerpoint/2010/main" val="1758447233"/>
-      </p:ext>
-    </p:extLst>
-  </p:cSld>
-  <p:clrMapOvr>
-    <a:masterClrMapping/>
-  </p:clrMapOvr>
-</p:sld>
-</file>
-
-<file path=ppt/slides/slide15.xml><?xml version="1.0" encoding="utf-8"?>
-<p:sld xmlns:a="http://schemas.openxmlformats.org/drawingml/2006/main" xmlns:r="http://schemas.openxmlformats.org/officeDocument/2006/relationships" xmlns:p="http://schemas.openxmlformats.org/presentationml/2006/main">
-  <p:cSld>
-    <p:spTree>
-      <p:nvGrpSpPr>
-        <p:cNvPr id="1" name=""/>
-        <p:cNvGrpSpPr/>
-        <p:nvPr/>
-      </p:nvGrpSpPr>
-      <p:grpSpPr>
-        <a:xfrm>
-          <a:off x="0" y="0"/>
-          <a:ext cx="0" cy="0"/>
-          <a:chOff x="0" y="0"/>
-          <a:chExt cx="0" cy="0"/>
-        </a:xfrm>
-      </p:grpSpPr>
-      <p:sp>
-        <p:nvSpPr>
-          <p:cNvPr id="2" name="Title 1"/>
-          <p:cNvSpPr>
-            <a:spLocks noGrp="1"/>
-          </p:cNvSpPr>
-          <p:nvPr>
-            <p:ph type="title"/>
-          </p:nvPr>
-        </p:nvSpPr>
-        <p:spPr/>
-        <p:txBody>
-          <a:bodyPr>
-            <a:normAutofit fontScale="90000"/>
-          </a:bodyPr>
-          <a:lstStyle/>
-          <a:p>
-            <a:r>
-              <a:rPr lang="en-GB" dirty="0"/>
-              <a:t>Bit manipulation instructions</a:t>
-            </a:r>
-            <a:br>
-              <a:rPr lang="en-GB" dirty="0"/>
-            </a:br>
-            <a:endParaRPr lang="en-GB" dirty="0"/>
-          </a:p>
-        </p:txBody>
-      </p:sp>
-      <p:sp>
-        <p:nvSpPr>
-          <p:cNvPr id="3" name="Content Placeholder 2"/>
-          <p:cNvSpPr>
-            <a:spLocks noGrp="1"/>
-          </p:cNvSpPr>
-          <p:nvPr>
-            <p:ph idx="1"/>
-          </p:nvPr>
-        </p:nvSpPr>
-        <p:spPr/>
-        <p:txBody>
-          <a:bodyPr>
-            <a:normAutofit fontScale="92500" lnSpcReduction="10000"/>
-          </a:bodyPr>
-          <a:lstStyle/>
-          <a:p>
-            <a:pPr marL="0" indent="0">
-              <a:buNone/>
-            </a:pPr>
-            <a:r>
-              <a:rPr lang="en-GB" dirty="0" smtClean="0"/>
-              <a:t>BTS </a:t>
-            </a:r>
-            <a:r>
-              <a:rPr lang="en-GB" dirty="0"/>
-              <a:t>Bit test and set operation, current value of a bit is copied to the CF </a:t>
-            </a:r>
-            <a:r>
-              <a:rPr lang="en-GB" dirty="0" smtClean="0"/>
-              <a:t>flag and </a:t>
-            </a:r>
-            <a:r>
-              <a:rPr lang="en-GB" dirty="0"/>
-              <a:t>the bit is set to 1 - bit test.</a:t>
-            </a:r>
-          </a:p>
-          <a:p>
-            <a:pPr marL="0" indent="0">
-              <a:buNone/>
-            </a:pPr>
-            <a:r>
-              <a:rPr lang="en-GB" dirty="0" smtClean="0"/>
-              <a:t>BSP </a:t>
-            </a:r>
-            <a:r>
-              <a:rPr lang="en-GB" dirty="0"/>
-              <a:t>Bit testing for value 1; a word or a double word is searched for the first bit equal </a:t>
-            </a:r>
-            <a:r>
-              <a:rPr lang="en-GB" dirty="0" smtClean="0"/>
-              <a:t>1 and </a:t>
-            </a:r>
-            <a:r>
-              <a:rPr lang="en-GB" dirty="0"/>
-              <a:t>the position number of the first bit 1 is written into a register - bit set prime</a:t>
-            </a:r>
-            <a:r>
-              <a:rPr lang="en-GB" dirty="0" smtClean="0"/>
-              <a:t>.</a:t>
-            </a:r>
-            <a:endParaRPr lang="en-GB" dirty="0"/>
-          </a:p>
-          <a:p>
-            <a:pPr marL="0" indent="0">
-              <a:buNone/>
-            </a:pPr>
-            <a:r>
-              <a:rPr lang="en-GB" dirty="0"/>
-              <a:t>CLR Clear a register contents</a:t>
-            </a:r>
-            <a:r>
-              <a:rPr lang="en-GB" dirty="0" smtClean="0"/>
-              <a:t>.</a:t>
-            </a:r>
-            <a:endParaRPr lang="en-GB" dirty="0"/>
-          </a:p>
-          <a:p>
-            <a:pPr marL="0" indent="0">
-              <a:buNone/>
-            </a:pPr>
-            <a:r>
-              <a:rPr lang="en-GB" dirty="0"/>
-              <a:t>SET </a:t>
-            </a:r>
-            <a:r>
-              <a:rPr lang="en-GB" dirty="0" err="1"/>
-              <a:t>Set</a:t>
-            </a:r>
-            <a:r>
-              <a:rPr lang="en-GB" dirty="0"/>
-              <a:t> all bits in a register to 1.</a:t>
-            </a:r>
-          </a:p>
-        </p:txBody>
-      </p:sp>
-    </p:spTree>
-    <p:extLst>
-      <p:ext uri="{BB962C8B-B14F-4D97-AF65-F5344CB8AC3E}">
-        <p14:creationId xmlns:p14="http://schemas.microsoft.com/office/powerpoint/2010/main" val="1288299780"/>
-      </p:ext>
-    </p:extLst>
-  </p:cSld>
-  <p:clrMapOvr>
-    <a:masterClrMapping/>
-  </p:clrMapOvr>
-</p:sld>
-</file>
-
-<file path=ppt/slides/slide16.xml><?xml version="1.0" encoding="utf-8"?>
-<p:sld xmlns:a="http://schemas.openxmlformats.org/drawingml/2006/main" xmlns:r="http://schemas.openxmlformats.org/officeDocument/2006/relationships" xmlns:p="http://schemas.openxmlformats.org/presentationml/2006/main">
-  <p:cSld>
-    <p:spTree>
-      <p:nvGrpSpPr>
-        <p:cNvPr id="1" name=""/>
-        <p:cNvGrpSpPr/>
-        <p:nvPr/>
-      </p:nvGrpSpPr>
-      <p:grpSpPr>
-        <a:xfrm>
-          <a:off x="0" y="0"/>
-          <a:ext cx="0" cy="0"/>
-          <a:chOff x="0" y="0"/>
-          <a:chExt cx="0" cy="0"/>
-        </a:xfrm>
-      </p:grpSpPr>
-      <p:sp>
-        <p:nvSpPr>
-          <p:cNvPr id="2" name="Title 1"/>
-          <p:cNvSpPr>
-            <a:spLocks noGrp="1"/>
-          </p:cNvSpPr>
-          <p:nvPr>
-            <p:ph type="title"/>
-          </p:nvPr>
-        </p:nvSpPr>
-        <p:spPr/>
-        <p:txBody>
-          <a:bodyPr>
-            <a:normAutofit fontScale="90000"/>
-          </a:bodyPr>
-          <a:lstStyle/>
-          <a:p>
-            <a:r>
-              <a:rPr lang="en-GB" dirty="0"/>
-              <a:t>Program control instructions</a:t>
-            </a:r>
-            <a:br>
-              <a:rPr lang="en-GB" dirty="0"/>
-            </a:br>
-            <a:endParaRPr lang="en-GB" dirty="0"/>
-          </a:p>
-        </p:txBody>
-      </p:sp>
-      <p:sp>
-        <p:nvSpPr>
-          <p:cNvPr id="3" name="Content Placeholder 2"/>
-          <p:cNvSpPr>
-            <a:spLocks noGrp="1"/>
-          </p:cNvSpPr>
-          <p:nvPr>
-            <p:ph idx="1"/>
-          </p:nvPr>
-        </p:nvSpPr>
-        <p:spPr/>
-        <p:txBody>
-          <a:bodyPr>
-            <a:normAutofit fontScale="70000" lnSpcReduction="20000"/>
-          </a:bodyPr>
-          <a:lstStyle/>
-          <a:p>
-            <a:pPr marL="0" indent="0">
-              <a:buNone/>
-            </a:pPr>
-            <a:r>
-              <a:rPr lang="en-GB" dirty="0" smtClean="0"/>
-              <a:t>JMP </a:t>
-            </a:r>
-            <a:r>
-              <a:rPr lang="en-GB" dirty="0"/>
-              <a:t>Unconditional </a:t>
-            </a:r>
-            <a:r>
-              <a:rPr lang="en-GB" dirty="0" smtClean="0"/>
-              <a:t>jump.</a:t>
-            </a:r>
-          </a:p>
-          <a:p>
-            <a:pPr marL="0" indent="0">
-              <a:buNone/>
-            </a:pPr>
-            <a:r>
-              <a:rPr lang="en-GB" dirty="0" smtClean="0"/>
-              <a:t>JE/JZ </a:t>
-            </a:r>
-            <a:r>
-              <a:rPr lang="en-GB" dirty="0"/>
-              <a:t>Conditional jump - jump if equal/ jump if zero.</a:t>
-            </a:r>
-          </a:p>
-          <a:p>
-            <a:pPr marL="0" indent="0">
-              <a:buNone/>
-            </a:pPr>
-            <a:r>
-              <a:rPr lang="en-GB" dirty="0" smtClean="0"/>
-              <a:t>CALL </a:t>
-            </a:r>
-            <a:r>
-              <a:rPr lang="en-GB" dirty="0"/>
-              <a:t>Subroutine call</a:t>
-            </a:r>
-            <a:r>
-              <a:rPr lang="en-GB" dirty="0" smtClean="0"/>
-              <a:t>.</a:t>
-            </a:r>
-            <a:endParaRPr lang="en-GB" dirty="0"/>
-          </a:p>
-          <a:p>
-            <a:pPr marL="0" indent="0">
-              <a:buNone/>
-            </a:pPr>
-            <a:r>
-              <a:rPr lang="en-GB" dirty="0"/>
-              <a:t>RET Return from a subroutine</a:t>
-            </a:r>
-            <a:r>
-              <a:rPr lang="en-GB" dirty="0" smtClean="0"/>
-              <a:t>.</a:t>
-            </a:r>
-            <a:endParaRPr lang="en-GB" dirty="0"/>
-          </a:p>
-          <a:p>
-            <a:pPr marL="0" indent="0">
-              <a:buNone/>
-            </a:pPr>
-            <a:r>
-              <a:rPr lang="en-GB" dirty="0"/>
-              <a:t>LOOPE/ LOOPZ Conditional jump which executes a loop iteration if a register is equal </a:t>
-            </a:r>
-            <a:r>
-              <a:rPr lang="en-GB" dirty="0" smtClean="0"/>
-              <a:t>to a </a:t>
-            </a:r>
-            <a:r>
-              <a:rPr lang="en-GB" dirty="0"/>
-              <a:t>target value or zero - loop if equal, loop if zero</a:t>
-            </a:r>
-            <a:r>
-              <a:rPr lang="en-GB" dirty="0" smtClean="0"/>
-              <a:t>.</a:t>
-            </a:r>
-            <a:endParaRPr lang="en-GB" dirty="0"/>
-          </a:p>
-          <a:p>
-            <a:pPr marL="0" indent="0">
-              <a:buNone/>
-            </a:pPr>
-            <a:r>
-              <a:rPr lang="en-GB" dirty="0"/>
-              <a:t>INT / INTO Programmed interrupt or interrupt due to an overflow - interrupt / interrupt if overflow</a:t>
-            </a:r>
-            <a:r>
-              <a:rPr lang="en-GB" dirty="0" smtClean="0"/>
-              <a:t>).</a:t>
-            </a:r>
-            <a:endParaRPr lang="en-GB" dirty="0"/>
-          </a:p>
-          <a:p>
-            <a:pPr marL="0" indent="0">
-              <a:buNone/>
-            </a:pPr>
-            <a:r>
-              <a:rPr lang="en-GB" dirty="0"/>
-              <a:t>SKIP </a:t>
-            </a:r>
-            <a:r>
-              <a:rPr lang="en-GB" dirty="0" err="1"/>
-              <a:t>Skip</a:t>
-            </a:r>
-            <a:r>
-              <a:rPr lang="en-GB" dirty="0"/>
-              <a:t> execution of the next instruction</a:t>
-            </a:r>
-            <a:r>
-              <a:rPr lang="en-GB" dirty="0" smtClean="0"/>
-              <a:t>.</a:t>
-            </a:r>
-            <a:endParaRPr lang="en-GB" dirty="0"/>
-          </a:p>
-          <a:p>
-            <a:pPr marL="0" indent="0">
-              <a:buNone/>
-            </a:pPr>
-            <a:r>
-              <a:rPr lang="en-GB" dirty="0"/>
-              <a:t>HALT Stop execution of the program.</a:t>
-            </a:r>
-          </a:p>
-          <a:p>
-            <a:endParaRPr lang="en-GB" dirty="0"/>
-          </a:p>
-        </p:txBody>
-      </p:sp>
-    </p:spTree>
-    <p:extLst>
-      <p:ext uri="{BB962C8B-B14F-4D97-AF65-F5344CB8AC3E}">
-        <p14:creationId xmlns:p14="http://schemas.microsoft.com/office/powerpoint/2010/main" val="1695299071"/>
-      </p:ext>
-    </p:extLst>
-  </p:cSld>
-  <p:clrMapOvr>
-    <a:masterClrMapping/>
-  </p:clrMapOvr>
-</p:sld>
-</file>
-
-<file path=ppt/slides/slide17.xml><?xml version="1.0" encoding="utf-8"?>
-<p:sld xmlns:a="http://schemas.openxmlformats.org/drawingml/2006/main" xmlns:r="http://schemas.openxmlformats.org/officeDocument/2006/relationships" xmlns:p="http://schemas.openxmlformats.org/presentationml/2006/main">
-  <p:cSld>
-    <p:spTree>
-      <p:nvGrpSpPr>
-        <p:cNvPr id="1" name=""/>
-        <p:cNvGrpSpPr/>
-        <p:nvPr/>
-      </p:nvGrpSpPr>
-      <p:grpSpPr>
-        <a:xfrm>
-          <a:off x="0" y="0"/>
-          <a:ext cx="0" cy="0"/>
-          <a:chOff x="0" y="0"/>
-          <a:chExt cx="0" cy="0"/>
-        </a:xfrm>
-      </p:grpSpPr>
-      <p:sp>
-        <p:nvSpPr>
-          <p:cNvPr id="2" name="Title 1"/>
-          <p:cNvSpPr>
-            <a:spLocks noGrp="1"/>
-          </p:cNvSpPr>
-          <p:nvPr>
-            <p:ph type="title"/>
-          </p:nvPr>
-        </p:nvSpPr>
-        <p:spPr/>
-        <p:txBody>
-          <a:bodyPr>
-            <a:normAutofit fontScale="90000"/>
-          </a:bodyPr>
-          <a:lstStyle/>
-          <a:p>
-            <a:r>
-              <a:rPr lang="en-GB" dirty="0"/>
-              <a:t>System instructions</a:t>
-            </a:r>
-            <a:br>
-              <a:rPr lang="en-GB" dirty="0"/>
-            </a:br>
-            <a:endParaRPr lang="en-GB" dirty="0"/>
-          </a:p>
-        </p:txBody>
-      </p:sp>
-      <p:sp>
-        <p:nvSpPr>
-          <p:cNvPr id="3" name="Content Placeholder 2"/>
-          <p:cNvSpPr>
-            <a:spLocks noGrp="1"/>
-          </p:cNvSpPr>
-          <p:nvPr>
-            <p:ph idx="1"/>
-          </p:nvPr>
-        </p:nvSpPr>
-        <p:spPr/>
-        <p:txBody>
-          <a:bodyPr>
-            <a:normAutofit fontScale="62500" lnSpcReduction="20000"/>
-          </a:bodyPr>
-          <a:lstStyle/>
-          <a:p>
-            <a:pPr marL="0" indent="0">
-              <a:buNone/>
-            </a:pPr>
-            <a:r>
-              <a:rPr lang="en-GB" dirty="0" smtClean="0"/>
-              <a:t>LMSW </a:t>
-            </a:r>
-            <a:r>
-              <a:rPr lang="en-GB" dirty="0"/>
-              <a:t>Load a processor state word from memory or a register to the processor state </a:t>
-            </a:r>
-            <a:r>
-              <a:rPr lang="en-GB" dirty="0" smtClean="0"/>
-              <a:t>register, switch </a:t>
-            </a:r>
-            <a:r>
-              <a:rPr lang="en-GB" dirty="0"/>
-              <a:t>to the supervisor mode - load machine status word register.</a:t>
-            </a:r>
-          </a:p>
-          <a:p>
-            <a:pPr marL="0" indent="0">
-              <a:buNone/>
-            </a:pPr>
-            <a:r>
-              <a:rPr lang="en-GB" dirty="0" smtClean="0"/>
-              <a:t>SGDT </a:t>
-            </a:r>
-            <a:r>
-              <a:rPr lang="en-GB" dirty="0"/>
-              <a:t>Store the global descriptor table register contents in memory</a:t>
-            </a:r>
-            <a:r>
-              <a:rPr lang="en-GB" dirty="0" smtClean="0"/>
-              <a:t>.</a:t>
-            </a:r>
-            <a:endParaRPr lang="en-GB" dirty="0"/>
-          </a:p>
-          <a:p>
-            <a:pPr marL="0" indent="0">
-              <a:buNone/>
-            </a:pPr>
-            <a:r>
-              <a:rPr lang="en-GB" dirty="0"/>
-              <a:t>LGDT Load global descriptor table register from a register or memory</a:t>
-            </a:r>
-            <a:r>
-              <a:rPr lang="en-GB" dirty="0" smtClean="0"/>
-              <a:t>.</a:t>
-            </a:r>
-            <a:endParaRPr lang="en-GB" dirty="0"/>
-          </a:p>
-          <a:p>
-            <a:pPr marL="0" indent="0">
-              <a:buNone/>
-            </a:pPr>
-            <a:r>
-              <a:rPr lang="en-GB" dirty="0"/>
-              <a:t>LSL Load segment limit to the segment register from a register or memory.</a:t>
-            </a:r>
-          </a:p>
-          <a:p>
-            <a:pPr marL="0" indent="0">
-              <a:buNone/>
-            </a:pPr>
-            <a:r>
-              <a:rPr lang="en-GB" dirty="0" smtClean="0"/>
-              <a:t>LDS </a:t>
-            </a:r>
-            <a:r>
-              <a:rPr lang="en-GB" dirty="0"/>
-              <a:t>Load a value to the segment pointer register from memory - load segment</a:t>
-            </a:r>
-            <a:r>
-              <a:rPr lang="en-GB" dirty="0" smtClean="0"/>
-              <a:t>.</a:t>
-            </a:r>
-            <a:endParaRPr lang="en-GB" dirty="0"/>
-          </a:p>
-          <a:p>
-            <a:pPr marL="0" indent="0">
-              <a:buNone/>
-            </a:pPr>
-            <a:r>
-              <a:rPr lang="en-GB" dirty="0"/>
-              <a:t>ENTER Create a frame in the stack for parameters of a procedure in a high level language - enter frame</a:t>
-            </a:r>
-            <a:r>
-              <a:rPr lang="en-GB" dirty="0" smtClean="0"/>
-              <a:t>.</a:t>
-            </a:r>
-            <a:endParaRPr lang="en-GB" dirty="0"/>
-          </a:p>
-          <a:p>
-            <a:pPr marL="0" indent="0">
-              <a:buNone/>
-            </a:pPr>
-            <a:r>
-              <a:rPr lang="en-GB" dirty="0"/>
-              <a:t>ESC Jump to execution of the program by the numerical co-processor - escape</a:t>
-            </a:r>
-            <a:r>
-              <a:rPr lang="en-GB" dirty="0" smtClean="0"/>
-              <a:t>.</a:t>
-            </a:r>
-            <a:endParaRPr lang="en-GB" dirty="0"/>
-          </a:p>
-          <a:p>
-            <a:pPr marL="0" indent="0">
-              <a:buNone/>
-            </a:pPr>
-            <a:r>
-              <a:rPr lang="en-GB" dirty="0"/>
-              <a:t>WAIT </a:t>
-            </a:r>
-            <a:r>
-              <a:rPr lang="en-GB" dirty="0" err="1"/>
-              <a:t>Wait</a:t>
-            </a:r>
-            <a:r>
-              <a:rPr lang="en-GB" dirty="0"/>
-              <a:t> for a change of the BUSY input. </a:t>
-            </a:r>
-          </a:p>
-        </p:txBody>
-      </p:sp>
-    </p:spTree>
-    <p:extLst>
-      <p:ext uri="{BB962C8B-B14F-4D97-AF65-F5344CB8AC3E}">
-        <p14:creationId xmlns:p14="http://schemas.microsoft.com/office/powerpoint/2010/main" val="2868745366"/>
-      </p:ext>
-    </p:extLst>
-  </p:cSld>
-  <p:clrMapOvr>
-    <a:masterClrMapping/>
-  </p:clrMapOvr>
+  <p:timing>
+    <p:tnLst>
+      <p:par>
+        <p:cTn id="1" dur="indefinite" restart="never" nodeType="tmRoot"/>
+      </p:par>
+    </p:tnLst>
+  </p:timing>
 </p:sld>
 </file>
 
@@ -6898,15 +5635,7 @@
             <a:pPr algn="ctr"/>
             <a:r>
               <a:rPr lang="en-GB" dirty="0" smtClean="0"/>
-              <a:t>Week </a:t>
-            </a:r>
-            <a:r>
-              <a:rPr lang="en-GB" dirty="0" smtClean="0"/>
-              <a:t>2 </a:t>
-            </a:r>
-            <a:r>
-              <a:rPr lang="en-GB" dirty="0" smtClean="0"/>
-              <a:t>Topics</a:t>
+              <a:t>Week 2 Topics</a:t>
             </a:r>
             <a:endParaRPr lang="en-GB" dirty="0"/>
           </a:p>
@@ -7353,11 +6082,6 @@
               </a:rPr>
               <a:t>Simple Instruction Format</a:t>
             </a:r>
-            <a:endParaRPr lang="en-GB" b="1" dirty="0">
-              <a:solidFill>
-                <a:prstClr val="black"/>
-              </a:solidFill>
-            </a:endParaRPr>
           </a:p>
         </p:txBody>
       </p:sp>
@@ -7445,12 +6169,12 @@
               <a:t>operations to be performed in the </a:t>
             </a:r>
             <a:r>
-              <a:rPr lang="en-US" dirty="0" err="1" smtClean="0"/>
-              <a:t>instruction,encode</a:t>
-            </a:r>
-            <a:r>
-              <a:rPr lang="en-US" dirty="0" smtClean="0"/>
-              <a:t> </a:t>
+              <a:rPr lang="en-US" err="1" smtClean="0"/>
+              <a:t>instruction</a:t>
+            </a:r>
+            <a:r>
+              <a:rPr lang="en-US" smtClean="0"/>
+              <a:t>, encode </a:t>
             </a:r>
             <a:r>
               <a:rPr lang="en-US" dirty="0"/>
@@ -7682,11 +6406,6 @@
               </a:rPr>
               <a:t>Fixed and variable length instruction length </a:t>
             </a:r>
-            <a:endParaRPr lang="en-GB" b="1" dirty="0">
-              <a:solidFill>
-                <a:prstClr val="black"/>
-              </a:solidFill>
-            </a:endParaRPr>
           </a:p>
         </p:txBody>
       </p:sp>
@@ -7767,7 +6486,27 @@
           <a:p>
             <a:r>
               <a:rPr lang="en-GB" dirty="0"/>
-              <a:t>The operation code can be composed of one or more fields. In each field we encode in a binary way mutually exclusive operations, which are to be performed in a given instruction. </a:t>
+              <a:t>The </a:t>
+            </a:r>
+            <a:r>
+              <a:rPr lang="en-GB" b="1" dirty="0"/>
+              <a:t>operation code </a:t>
+            </a:r>
+            <a:r>
+              <a:rPr lang="en-GB" b="1" dirty="0" smtClean="0"/>
+              <a:t>(OPCODE)</a:t>
+            </a:r>
+            <a:r>
+              <a:rPr lang="en-GB" b="1" dirty="0"/>
+              <a:t> </a:t>
+            </a:r>
+            <a:r>
+              <a:rPr lang="en-GB" dirty="0" smtClean="0"/>
+              <a:t>can </a:t>
+            </a:r>
+            <a:r>
+              <a:rPr lang="en-GB" dirty="0"/>
+              <a:t>be composed of one or more fields. In each field we encode in a binary way mutually exclusive operations, which are to be performed in a given instruction. </a:t>
             </a:r>
             <a:endParaRPr lang="en-GB" dirty="0" smtClean="0"/>
           </a:p>
@@ -7778,7 +6517,15 @@
             </a:r>
             <a:r>
               <a:rPr lang="en-GB" dirty="0"/>
-              <a:t>the address field we place operand addresses of the operation stated in the operation code (addresses of memory cells or registers) or the so called </a:t>
+              <a:t>the address </a:t>
+            </a:r>
+            <a:r>
+              <a:rPr lang="en-GB" dirty="0" smtClean="0"/>
+              <a:t>field, </a:t>
+            </a:r>
+            <a:r>
+              <a:rPr lang="en-GB" dirty="0"/>
+              <a:t>we place operand addresses of the operation stated in the operation code (addresses of memory cells or registers) or the so called </a:t>
             </a:r>
             <a:r>
               <a:rPr lang="en-GB" b="1" dirty="0"/>
@@ -7852,11 +6599,6 @@
               </a:rPr>
               <a:t>Instruction word structure</a:t>
             </a:r>
-            <a:endParaRPr lang="en-GB" b="1" dirty="0">
-              <a:solidFill>
-                <a:prstClr val="black"/>
-              </a:solidFill>
-            </a:endParaRPr>
           </a:p>
         </p:txBody>
       </p:sp>
@@ -7907,11 +6649,7 @@
           <a:p>
             <a:r>
               <a:rPr lang="en-GB" dirty="0" smtClean="0"/>
-              <a:t>Internal </a:t>
-            </a:r>
-            <a:r>
-              <a:rPr lang="en-GB" dirty="0" smtClean="0"/>
-              <a:t>Instruction List</a:t>
+              <a:t>Types of Operations and operands</a:t>
             </a:r>
             <a:endParaRPr lang="en-GB" dirty="0"/>
           </a:p>
@@ -7927,34 +6665,75 @@
             <p:ph idx="1"/>
           </p:nvPr>
         </p:nvSpPr>
-        <p:spPr>
-          <a:xfrm>
-            <a:off x="371697" y="1124018"/>
-            <a:ext cx="11713302" cy="4824536"/>
-          </a:xfrm>
-        </p:spPr>
+        <p:spPr/>
         <p:txBody>
           <a:bodyPr>
-            <a:normAutofit fontScale="85000" lnSpcReduction="10000"/>
+            <a:normAutofit fontScale="70000" lnSpcReduction="20000"/>
           </a:bodyPr>
           <a:lstStyle/>
           <a:p>
-            <a:pPr marL="0" indent="0">
+            <a:pPr marL="0" indent="0" algn="just">
               <a:buNone/>
             </a:pPr>
             <a:r>
               <a:rPr lang="en-GB" dirty="0"/>
-              <a:t>In a von Neumann computer, execution of all programs (even those written in high-level languages) consists in execution of internal instruction sequences, which are contained in binary forms of these programs.</a:t>
-            </a:r>
-          </a:p>
-          <a:p>
-            <a:pPr marL="0" indent="0">
+              <a:t>In an internal instruction there is always specified an operation to be performed</a:t>
+            </a:r>
+            <a:r>
+              <a:rPr lang="en-GB" dirty="0" smtClean="0"/>
+              <a:t>. Therefore types of instructions are similar to types of operations.</a:t>
+            </a:r>
+          </a:p>
+          <a:p>
+            <a:pPr marL="0" indent="0" algn="just">
               <a:buNone/>
             </a:pPr>
             <a:r>
+              <a:rPr lang="en-GB" dirty="0" smtClean="0"/>
+              <a:t> </a:t>
+            </a:r>
+            <a:r>
               <a:rPr lang="en-GB" dirty="0"/>
-              <a:t>Internal instructions represent almost all operations that a computer can perform. This does not concern operations, which are not programmable by the user of the computer. Such operations are said to be 'hardwired or wired in', as for example interrupt handling or cache functioning.</a:t>
-            </a:r>
+              <a:t>Depending on an instruction the following additional parameters can be also specified: </a:t>
+            </a:r>
+            <a:r>
+              <a:rPr lang="en-GB" b="1" dirty="0"/>
+              <a:t>operand addresses</a:t>
+            </a:r>
+            <a:r>
+              <a:rPr lang="en-GB" dirty="0"/>
+              <a:t>, </a:t>
+            </a:r>
+            <a:r>
+              <a:rPr lang="en-GB" b="1" dirty="0"/>
+              <a:t>address mode</a:t>
+            </a:r>
+            <a:r>
+              <a:rPr lang="en-GB" dirty="0"/>
+              <a:t>, i.e. how to compute the final operand address based on the address contained in the instruction (an address modification using data stored in the computer is </a:t>
+            </a:r>
+            <a:r>
+              <a:rPr lang="en-GB" dirty="0" smtClean="0"/>
+              <a:t>possible) and </a:t>
+            </a:r>
+            <a:r>
+              <a:rPr lang="en-GB" b="1" dirty="0"/>
+              <a:t>immediate data</a:t>
+            </a:r>
+            <a:r>
+              <a:rPr lang="en-GB" dirty="0"/>
+              <a:t>.</a:t>
+            </a:r>
+          </a:p>
+          <a:p>
+            <a:pPr marL="0" indent="0" algn="just">
+              <a:buNone/>
+            </a:pPr>
+            <a:r>
+              <a:rPr lang="en-GB" dirty="0"/>
+              <a:t>Internal instructions are composed as bit sequences placed in the instruction word fields. Such form is very inconvenient for a programmer. </a:t>
+            </a:r>
+            <a:endParaRPr lang="en-GB" dirty="0" smtClean="0"/>
           </a:p>
           <a:p>
             <a:endParaRPr lang="en-GB" dirty="0"/>
@@ -7964,7 +6743,7 @@
     </p:spTree>
     <p:extLst>
       <p:ext uri="{BB962C8B-B14F-4D97-AF65-F5344CB8AC3E}">
-        <p14:creationId xmlns:p14="http://schemas.microsoft.com/office/powerpoint/2010/main" val="2551620546"/>
+        <p14:creationId xmlns:p14="http://schemas.microsoft.com/office/powerpoint/2010/main" val="1903704109"/>
       </p:ext>
     </p:extLst>
   </p:cSld>
@@ -8008,7 +6787,7 @@
           <a:p>
             <a:r>
               <a:rPr lang="en-US" dirty="0"/>
-              <a:t>Internal Instruction List</a:t>
+              <a:t>Types of Operations and operands</a:t>
             </a:r>
           </a:p>
         </p:txBody>
@@ -8030,56 +6809,29 @@
           </a:bodyPr>
           <a:lstStyle/>
           <a:p>
-            <a:pPr marL="0" indent="0" algn="just">
-              <a:buNone/>
-            </a:pPr>
+            <a:pPr algn="just"/>
             <a:r>
               <a:rPr lang="en-US" dirty="0"/>
-              <a:t>The set of all internal instructions provided in a given computer (understood as a set of operations defined by these instructions) is called computer instruction list or computer instruction set. </a:t>
-            </a:r>
-          </a:p>
-          <a:p>
-            <a:pPr marL="0" indent="0" algn="just">
-              <a:buNone/>
-            </a:pPr>
+              <a:t>To make writing low-level programs easier, symbolic programming languages or assembler languages have been introduced. </a:t>
+            </a:r>
+            <a:endParaRPr lang="en-US" dirty="0" smtClean="0"/>
+          </a:p>
+          <a:p>
+            <a:pPr algn="just"/>
+            <a:r>
+              <a:rPr lang="en-US" dirty="0" smtClean="0"/>
+              <a:t>In </a:t>
+            </a:r>
             <a:r>
               <a:rPr lang="en-US" dirty="0"/>
-              <a:t>Based on the type of operation performed in an instruction, we distinguish the following types of internal computer instructions:</a:t>
+              <a:t>such languages, a program is expressed by instructions, which correspond to internal computer instructions but written down in an symbolic way as an association of the following elements: the symbol of the operation performed by the instruction (the mnemonic), the symbol of the address mode, values and symbols of addresses used by instructions (labels) and symbols and values of data (constants and variables). </a:t>
             </a:r>
           </a:p>
           <a:p>
             <a:pPr algn="just"/>
             <a:r>
               <a:rPr lang="en-US" dirty="0"/>
-              <a:t>arithmetical-logical instructions,</a:t>
-            </a:r>
-          </a:p>
-          <a:p>
-            <a:pPr algn="just"/>
-            <a:r>
-              <a:rPr lang="en-US" dirty="0"/>
-              <a:t>data transfer instructions,</a:t>
-            </a:r>
-          </a:p>
-          <a:p>
-            <a:pPr algn="just"/>
-            <a:r>
-              <a:rPr lang="en-US" dirty="0"/>
-              <a:t>bit manipulation instructions,</a:t>
-            </a:r>
-          </a:p>
-          <a:p>
-            <a:pPr algn="just"/>
-            <a:r>
-              <a:rPr lang="en-US" dirty="0"/>
-              <a:t>program control instructions,</a:t>
-            </a:r>
-          </a:p>
-          <a:p>
-            <a:pPr algn="just"/>
-            <a:r>
-              <a:rPr lang="en-US" dirty="0"/>
-              <a:t>system instructions.</a:t>
+              <a:t>Values of addresses and data can be expressed in different representations: decimal, hexadecimal, octal or binary but always together with the identifier of the representation used. </a:t>
             </a:r>
           </a:p>
           <a:p>
@@ -8090,7 +6842,7 @@
     </p:spTree>
     <p:extLst>
       <p:ext uri="{BB962C8B-B14F-4D97-AF65-F5344CB8AC3E}">
-        <p14:creationId xmlns:p14="http://schemas.microsoft.com/office/powerpoint/2010/main" val="1589807487"/>
+        <p14:creationId xmlns:p14="http://schemas.microsoft.com/office/powerpoint/2010/main" val="3092645978"/>
       </p:ext>
     </p:extLst>
   </p:cSld>
